--- a/Hash-Grid.pptx
+++ b/Hash-Grid.pptx
@@ -3447,7 +3447,7 @@
                   <a:bodyPr/>
                   <a:lstStyle/>
                   <a:p>
-                    <a:fld id="{4E002C0E-50EC-4A3D-A2BB-1407333A306C}" type="CELLRANGE">
+                    <a:fld id="{0A5D9AB5-AECE-4B78-96B0-592D051B0E2A}" type="CELLRANGE">
                       <a:rPr lang="de-DE"/>
                       <a:pPr/>
                       <a:t>[ZELLBEREICH]</a:t>
@@ -3481,7 +3481,7 @@
                   <a:bodyPr/>
                   <a:lstStyle/>
                   <a:p>
-                    <a:fld id="{B8893AC0-EF91-4FCC-A9F8-B922EFA80020}" type="CELLRANGE">
+                    <a:fld id="{05061C57-FAC4-445B-B303-B699788DD5CB}" type="CELLRANGE">
                       <a:rPr lang="de-DE"/>
                       <a:pPr/>
                       <a:t>[ZELLBEREICH]</a:t>
@@ -3515,7 +3515,7 @@
                   <a:bodyPr/>
                   <a:lstStyle/>
                   <a:p>
-                    <a:fld id="{D222D5F8-A3A1-43C9-A588-1E7608001B7C}" type="CELLRANGE">
+                    <a:fld id="{DD0F0C3A-EBD8-4B9F-90B8-A7E0490BE4FD}" type="CELLRANGE">
                       <a:rPr lang="de-DE"/>
                       <a:pPr/>
                       <a:t>[ZELLBEREICH]</a:t>
@@ -3549,7 +3549,7 @@
                   <a:bodyPr/>
                   <a:lstStyle/>
                   <a:p>
-                    <a:fld id="{24E152DA-A9B6-4FC0-BA5F-5C66D480168F}" type="CELLRANGE">
+                    <a:fld id="{D86A108D-D758-412E-9FCB-148C61C13D72}" type="CELLRANGE">
                       <a:rPr lang="de-DE"/>
                       <a:pPr/>
                       <a:t>[ZELLBEREICH]</a:t>
@@ -3583,7 +3583,7 @@
                   <a:bodyPr/>
                   <a:lstStyle/>
                   <a:p>
-                    <a:fld id="{AC66CC63-01AD-4712-A37F-2991F85206A5}" type="CELLRANGE">
+                    <a:fld id="{0383FD9E-3B78-4A87-B719-0BD8F5ED6F2B}" type="CELLRANGE">
                       <a:rPr lang="de-DE"/>
                       <a:pPr/>
                       <a:t>[ZELLBEREICH]</a:t>
@@ -3617,7 +3617,7 @@
                   <a:bodyPr/>
                   <a:lstStyle/>
                   <a:p>
-                    <a:fld id="{6CFAFC9A-474D-4925-8FFC-C6513ADDF3C5}" type="CELLRANGE">
+                    <a:fld id="{3277F216-AA5F-48C6-91FC-B05BF6F7E068}" type="CELLRANGE">
                       <a:rPr lang="de-DE"/>
                       <a:pPr/>
                       <a:t>[ZELLBEREICH]</a:t>
@@ -3651,7 +3651,7 @@
                   <a:bodyPr/>
                   <a:lstStyle/>
                   <a:p>
-                    <a:fld id="{5BD2261D-C800-467D-AE1B-DEDA97495126}" type="CELLRANGE">
+                    <a:fld id="{747B72F9-D894-4728-8E41-E57B687448EC}" type="CELLRANGE">
                       <a:rPr lang="de-DE"/>
                       <a:pPr/>
                       <a:t>[ZELLBEREICH]</a:t>
@@ -3685,7 +3685,7 @@
                   <a:bodyPr/>
                   <a:lstStyle/>
                   <a:p>
-                    <a:fld id="{5ED2F33F-7F4C-482C-898A-732A02EC2F9F}" type="CELLRANGE">
+                    <a:fld id="{5AE636BA-1194-40EA-9FD8-073964EE5ED9}" type="CELLRANGE">
                       <a:rPr lang="de-DE"/>
                       <a:pPr/>
                       <a:t>[ZELLBEREICH]</a:t>
@@ -3719,7 +3719,7 @@
                   <a:bodyPr/>
                   <a:lstStyle/>
                   <a:p>
-                    <a:fld id="{2D5E1C89-D3E8-4382-9957-D5F7636196D4}" type="CELLRANGE">
+                    <a:fld id="{1F70F11A-B49F-4FFA-9C20-19C08F70E706}" type="CELLRANGE">
                       <a:rPr lang="de-DE"/>
                       <a:pPr/>
                       <a:t>[ZELLBEREICH]</a:t>
@@ -3994,7 +3994,7 @@
                   <a:bodyPr/>
                   <a:lstStyle/>
                   <a:p>
-                    <a:fld id="{716CCD7E-FBB7-48CD-A8CB-62417318E153}" type="CELLRANGE">
+                    <a:fld id="{58A05C63-BA79-45B4-B303-E54527384C12}" type="CELLRANGE">
                       <a:rPr lang="de-DE"/>
                       <a:pPr/>
                       <a:t>[ZELLBEREICH]</a:t>
@@ -4028,7 +4028,7 @@
                   <a:bodyPr/>
                   <a:lstStyle/>
                   <a:p>
-                    <a:fld id="{15D86A15-7361-4030-B2D1-2F4757F51D15}" type="CELLRANGE">
+                    <a:fld id="{EBED2C96-2EE1-448D-B76A-44C013E0CD3E}" type="CELLRANGE">
                       <a:rPr lang="de-DE"/>
                       <a:pPr/>
                       <a:t>[ZELLBEREICH]</a:t>
@@ -4062,7 +4062,7 @@
                   <a:bodyPr/>
                   <a:lstStyle/>
                   <a:p>
-                    <a:fld id="{2340E26D-ADB3-4067-88D7-BBB9141A5F32}" type="CELLRANGE">
+                    <a:fld id="{719F99FE-84FD-4CEF-A21B-240D6AA2D269}" type="CELLRANGE">
                       <a:rPr lang="de-DE"/>
                       <a:pPr/>
                       <a:t>[ZELLBEREICH]</a:t>
@@ -4096,7 +4096,7 @@
                   <a:bodyPr/>
                   <a:lstStyle/>
                   <a:p>
-                    <a:fld id="{5B246550-4820-4058-AA1B-9AADD919C118}" type="CELLRANGE">
+                    <a:fld id="{B2CCC0EA-C5B4-4404-A76A-1E0E7D60FF15}" type="CELLRANGE">
                       <a:rPr lang="de-DE"/>
                       <a:pPr/>
                       <a:t>[ZELLBEREICH]</a:t>
@@ -4130,7 +4130,7 @@
                   <a:bodyPr/>
                   <a:lstStyle/>
                   <a:p>
-                    <a:fld id="{AEF4A4AB-11DC-47BF-B96F-0B8A303BFFAF}" type="CELLRANGE">
+                    <a:fld id="{AB2D3320-BB93-4F6B-B44C-6634A2C452DB}" type="CELLRANGE">
                       <a:rPr lang="de-DE"/>
                       <a:pPr/>
                       <a:t>[ZELLBEREICH]</a:t>
@@ -4164,7 +4164,7 @@
                   <a:bodyPr/>
                   <a:lstStyle/>
                   <a:p>
-                    <a:fld id="{30C7B9E3-5737-4046-B286-F06E78B39182}" type="CELLRANGE">
+                    <a:fld id="{83356B0C-5D27-4452-8E3C-E17B9205C8CC}" type="CELLRANGE">
                       <a:rPr lang="de-DE"/>
                       <a:pPr/>
                       <a:t>[ZELLBEREICH]</a:t>
@@ -4198,7 +4198,7 @@
                   <a:bodyPr/>
                   <a:lstStyle/>
                   <a:p>
-                    <a:fld id="{86478749-6F3F-4135-9E5B-8F7179FE573A}" type="CELLRANGE">
+                    <a:fld id="{0FFEAFA9-FE63-401B-B993-19EBED23CB25}" type="CELLRANGE">
                       <a:rPr lang="de-DE"/>
                       <a:pPr/>
                       <a:t>[ZELLBEREICH]</a:t>
@@ -4232,7 +4232,7 @@
                   <a:bodyPr/>
                   <a:lstStyle/>
                   <a:p>
-                    <a:fld id="{A24195D4-9B39-4F2F-B792-53DE5503C1D6}" type="CELLRANGE">
+                    <a:fld id="{920E7D00-D261-4B7D-A4EE-F752176B588E}" type="CELLRANGE">
                       <a:rPr lang="de-DE"/>
                       <a:pPr/>
                       <a:t>[ZELLBEREICH]</a:t>
@@ -4266,7 +4266,7 @@
                   <a:bodyPr/>
                   <a:lstStyle/>
                   <a:p>
-                    <a:fld id="{3C7D112F-0524-4D52-AE31-B4F8FB06E75C}" type="CELLRANGE">
+                    <a:fld id="{BCC75C6C-9BA8-4454-AAD1-8A160CAA8AF8}" type="CELLRANGE">
                       <a:rPr lang="de-DE"/>
                       <a:pPr/>
                       <a:t>[ZELLBEREICH]</a:t>
@@ -4541,7 +4541,7 @@
                   <a:bodyPr/>
                   <a:lstStyle/>
                   <a:p>
-                    <a:fld id="{24CAFBC9-4265-4E8E-AA22-19898966062A}" type="CELLRANGE">
+                    <a:fld id="{6E978DBD-D123-4277-96EA-40F29B8FB3BB}" type="CELLRANGE">
                       <a:rPr lang="de-DE"/>
                       <a:pPr/>
                       <a:t>[ZELLBEREICH]</a:t>
@@ -4575,7 +4575,7 @@
                   <a:bodyPr/>
                   <a:lstStyle/>
                   <a:p>
-                    <a:fld id="{5A7C9891-1D2C-4182-ADA1-1093B5F2128B}" type="CELLRANGE">
+                    <a:fld id="{0ED3EA16-761D-46FB-A4EF-C47FC1BCD192}" type="CELLRANGE">
                       <a:rPr lang="de-DE"/>
                       <a:pPr/>
                       <a:t>[ZELLBEREICH]</a:t>
@@ -4609,7 +4609,7 @@
                   <a:bodyPr/>
                   <a:lstStyle/>
                   <a:p>
-                    <a:fld id="{375E1354-7083-4C08-8B38-E3E9E6C90628}" type="CELLRANGE">
+                    <a:fld id="{174F2EB6-CFB8-4E5D-A039-DA121705E6E0}" type="CELLRANGE">
                       <a:rPr lang="de-DE"/>
                       <a:pPr/>
                       <a:t>[ZELLBEREICH]</a:t>
@@ -4643,7 +4643,7 @@
                   <a:bodyPr/>
                   <a:lstStyle/>
                   <a:p>
-                    <a:fld id="{0958C068-0F2C-4B5D-B1D7-FA3C101F1AAE}" type="CELLRANGE">
+                    <a:fld id="{AB75B0BB-0ACC-4A83-BCF8-9EA88A005EC7}" type="CELLRANGE">
                       <a:rPr lang="de-DE"/>
                       <a:pPr/>
                       <a:t>[ZELLBEREICH]</a:t>
@@ -4677,7 +4677,7 @@
                   <a:bodyPr/>
                   <a:lstStyle/>
                   <a:p>
-                    <a:fld id="{FA08455E-3027-40CC-BACC-DCCE8372DA3C}" type="CELLRANGE">
+                    <a:fld id="{A55466FD-0DD8-475F-833D-11380B2E58FC}" type="CELLRANGE">
                       <a:rPr lang="de-DE"/>
                       <a:pPr/>
                       <a:t>[ZELLBEREICH]</a:t>
@@ -4711,7 +4711,7 @@
                   <a:bodyPr/>
                   <a:lstStyle/>
                   <a:p>
-                    <a:fld id="{7603139B-22AF-4FB4-BDF4-374393261E80}" type="CELLRANGE">
+                    <a:fld id="{EBD5C9FA-4611-4DD5-9AFB-4D4401924244}" type="CELLRANGE">
                       <a:rPr lang="de-DE"/>
                       <a:pPr/>
                       <a:t>[ZELLBEREICH]</a:t>
@@ -4745,7 +4745,7 @@
                   <a:bodyPr/>
                   <a:lstStyle/>
                   <a:p>
-                    <a:fld id="{094FB82B-18D8-4F5D-86E8-A78F5B035CE4}" type="CELLRANGE">
+                    <a:fld id="{A8F0774D-AAAD-4095-8CC2-E6F63DC12A73}" type="CELLRANGE">
                       <a:rPr lang="de-DE"/>
                       <a:pPr/>
                       <a:t>[ZELLBEREICH]</a:t>
@@ -4779,7 +4779,7 @@
                   <a:bodyPr/>
                   <a:lstStyle/>
                   <a:p>
-                    <a:fld id="{15449ED1-AA82-4537-BE7A-EE79A789686F}" type="CELLRANGE">
+                    <a:fld id="{944A6E6F-F8C3-490B-A39F-7DEA5E193E78}" type="CELLRANGE">
                       <a:rPr lang="de-DE"/>
                       <a:pPr/>
                       <a:t>[ZELLBEREICH]</a:t>
@@ -4813,7 +4813,7 @@
                   <a:bodyPr/>
                   <a:lstStyle/>
                   <a:p>
-                    <a:fld id="{B2185F2D-4607-4128-B04A-868A02D49187}" type="CELLRANGE">
+                    <a:fld id="{9303EE5F-063C-421A-A431-F73A9AE62FC2}" type="CELLRANGE">
                       <a:rPr lang="de-DE"/>
                       <a:pPr/>
                       <a:t>[ZELLBEREICH]</a:t>
@@ -7047,6 +7047,7 @@
     </c:legend>
     <c:plotVisOnly val="1"/>
     <c:dispBlanksAs val="gap"/>
+    <c:showDLblsOverMax val="0"/>
     <c:extLst>
       <c:ext xmlns:c16r3="http://schemas.microsoft.com/office/drawing/2017/03/chart" uri="{56B9EC1D-385E-4148-901F-78D8002777C0}">
         <c16r3:dataDisplayOptions16>
@@ -7054,7 +7055,6 @@
         </c16r3:dataDisplayOptions16>
       </c:ext>
     </c:extLst>
-    <c:showDLblsOverMax val="0"/>
   </c:chart>
   <c:spPr>
     <a:noFill/>
@@ -16068,7 +16068,7 @@
           <a:p>
             <a:r>
               <a:rPr lang="de-DE" dirty="0"/>
-              <a:t>Mögliche Optimierung: Zellen die nicht den Kreis schneiden können und welche bei denen alle Partikel auf jeden Fall im Kreis nicht extra prüfen</a:t>
+              <a:t>Mögliche Optimierung: Zellen, die nicht den Kreis schneiden können und Zellen, bei denen alle Partikel auf jeden Fall im Kreis nicht extra prüfen</a:t>
             </a:r>
           </a:p>
           <a:p>
@@ -23011,32 +23011,32 @@
           <a:lstStyle/>
           <a:p>
             <a:r>
-              <a:rPr lang="de-DE" b="1"/>
+              <a:rPr lang="de-DE" b="1" dirty="0"/>
               <a:t>Parallelisierung der Zellen am Strahl entlang</a:t>
             </a:r>
           </a:p>
           <a:p>
             <a:pPr lvl="1"/>
             <a:r>
-              <a:rPr lang="de-DE"/>
+              <a:rPr lang="de-DE" dirty="0"/>
               <a:t>Zellen müssten zunächst auf CPU berechnet werden</a:t>
             </a:r>
           </a:p>
           <a:p>
             <a:pPr lvl="1"/>
             <a:r>
-              <a:rPr lang="de-DE"/>
-              <a:t>Speicher allokieren und Übertragung kostet viel Zeit</a:t>
+              <a:rPr lang="de-DE" dirty="0"/>
+              <a:t>Allokieren des Speichers und Übertragung kosten viel Zeit</a:t>
             </a:r>
           </a:p>
           <a:p>
             <a:pPr lvl="1"/>
             <a:r>
-              <a:rPr lang="de-DE"/>
+              <a:rPr lang="de-DE" dirty="0"/>
               <a:t>Zellenanzahl in vielen Fällen sehr gering </a:t>
             </a:r>
             <a:r>
-              <a:rPr lang="de-DE">
+              <a:rPr lang="de-DE" dirty="0">
                 <a:sym typeface="Wingdings" panose="05000000000000000000" pitchFamily="2" charset="2"/>
               </a:rPr>
               <a:t> lohnt nicht</a:t>
@@ -23044,13 +23044,13 @@
           </a:p>
           <a:p>
             <a:pPr lvl="1"/>
-            <a:endParaRPr lang="de-DE">
+            <a:endParaRPr lang="de-DE" dirty="0">
               <a:sym typeface="Wingdings" panose="05000000000000000000" pitchFamily="2" charset="2"/>
             </a:endParaRPr>
           </a:p>
           <a:p>
             <a:r>
-              <a:rPr lang="de-DE" b="1">
+              <a:rPr lang="de-DE" b="1" dirty="0">
                 <a:sym typeface="Wingdings" panose="05000000000000000000" pitchFamily="2" charset="2"/>
               </a:rPr>
               <a:t>Parallelisierung aller Zellen</a:t>
@@ -23059,64 +23059,130 @@
           <a:p>
             <a:pPr lvl="1"/>
             <a:r>
-              <a:rPr lang="de-DE">
+              <a:rPr lang="de-DE" dirty="0">
                 <a:sym typeface="Wingdings" panose="05000000000000000000" pitchFamily="2" charset="2"/>
               </a:rPr>
-              <a:t>Übertragung nur von Raycasts und Ergebnisliste</a:t>
+              <a:t>Übertragung nur von </a:t>
+            </a:r>
+            <a:r>
+              <a:rPr lang="de-DE" dirty="0" err="1">
+                <a:sym typeface="Wingdings" panose="05000000000000000000" pitchFamily="2" charset="2"/>
+              </a:rPr>
+              <a:t>Raycasts</a:t>
+            </a:r>
+            <a:r>
+              <a:rPr lang="de-DE" dirty="0">
+                <a:sym typeface="Wingdings" panose="05000000000000000000" pitchFamily="2" charset="2"/>
+              </a:rPr>
+              <a:t> und Ergebnisliste</a:t>
             </a:r>
           </a:p>
           <a:p>
             <a:pPr lvl="1"/>
             <a:r>
-              <a:rPr lang="de-DE">
+              <a:rPr lang="de-DE" dirty="0">
                 <a:sym typeface="Wingdings" panose="05000000000000000000" pitchFamily="2" charset="2"/>
               </a:rPr>
-              <a:t>Mehrere Raycasts parallel möglich</a:t>
+              <a:t>Mehrere </a:t>
+            </a:r>
+            <a:r>
+              <a:rPr lang="de-DE" dirty="0" err="1">
+                <a:sym typeface="Wingdings" panose="05000000000000000000" pitchFamily="2" charset="2"/>
+              </a:rPr>
+              <a:t>Raycasts</a:t>
+            </a:r>
+            <a:r>
+              <a:rPr lang="de-DE" dirty="0">
+                <a:sym typeface="Wingdings" panose="05000000000000000000" pitchFamily="2" charset="2"/>
+              </a:rPr>
+              <a:t> parallel möglich</a:t>
             </a:r>
           </a:p>
           <a:p>
             <a:pPr lvl="1"/>
             <a:r>
-              <a:rPr lang="de-DE">
+              <a:rPr lang="de-DE" dirty="0">
                 <a:sym typeface="Wingdings" panose="05000000000000000000" pitchFamily="2" charset="2"/>
               </a:rPr>
-              <a:t>Es werden aber auch Zellen geprüft, die nicht vom Raycast geschnitten werden  zum Teil viel Overhead</a:t>
+              <a:t>Es werden aber auch Zellen geprüft, die nicht vom </a:t>
             </a:r>
-          </a:p>
-          <a:p>
-            <a:pPr lvl="1"/>
-            <a:endParaRPr lang="de-DE">
-              <a:sym typeface="Wingdings" panose="05000000000000000000" pitchFamily="2" charset="2"/>
-            </a:endParaRPr>
-          </a:p>
-          <a:p>
             <a:r>
-              <a:rPr lang="de-DE" b="1">
+              <a:rPr lang="de-DE" dirty="0" err="1">
                 <a:sym typeface="Wingdings" panose="05000000000000000000" pitchFamily="2" charset="2"/>
               </a:rPr>
-              <a:t>Parallelisierung der Raycasts</a:t>
+              <a:t>Raycast</a:t>
             </a:r>
-          </a:p>
-          <a:p>
-            <a:pPr lvl="1"/>
             <a:r>
-              <a:rPr lang="de-DE">
+              <a:rPr lang="de-DE" dirty="0">
                 <a:sym typeface="Wingdings" panose="05000000000000000000" pitchFamily="2" charset="2"/>
               </a:rPr>
-              <a:t>Einzelner Raycast wird seriell verarbeitet</a:t>
+              <a:t> geschnitten werden  zum Teil viel Overhead</a:t>
             </a:r>
           </a:p>
           <a:p>
             <a:pPr lvl="1"/>
-            <a:r>
-              <a:rPr lang="de-DE">
-                <a:sym typeface="Wingdings" panose="05000000000000000000" pitchFamily="2" charset="2"/>
-              </a:rPr>
-              <a:t>Erwartung: Bei wenigen Raycasts deutlich langsamer als CPU Implementierung, bei vielen schneller</a:t>
-            </a:r>
             <a:endParaRPr lang="de-DE" dirty="0">
               <a:sym typeface="Wingdings" panose="05000000000000000000" pitchFamily="2" charset="2"/>
             </a:endParaRPr>
+          </a:p>
+          <a:p>
+            <a:r>
+              <a:rPr lang="de-DE" b="1" dirty="0">
+                <a:sym typeface="Wingdings" panose="05000000000000000000" pitchFamily="2" charset="2"/>
+              </a:rPr>
+              <a:t>Parallelisierung der </a:t>
+            </a:r>
+            <a:r>
+              <a:rPr lang="de-DE" b="1" dirty="0" err="1">
+                <a:sym typeface="Wingdings" panose="05000000000000000000" pitchFamily="2" charset="2"/>
+              </a:rPr>
+              <a:t>Raycasts</a:t>
+            </a:r>
+            <a:endParaRPr lang="de-DE" b="1" dirty="0">
+              <a:sym typeface="Wingdings" panose="05000000000000000000" pitchFamily="2" charset="2"/>
+            </a:endParaRPr>
+          </a:p>
+          <a:p>
+            <a:pPr lvl="1"/>
+            <a:r>
+              <a:rPr lang="de-DE" dirty="0">
+                <a:sym typeface="Wingdings" panose="05000000000000000000" pitchFamily="2" charset="2"/>
+              </a:rPr>
+              <a:t>Einzelner </a:t>
+            </a:r>
+            <a:r>
+              <a:rPr lang="de-DE" dirty="0" err="1">
+                <a:sym typeface="Wingdings" panose="05000000000000000000" pitchFamily="2" charset="2"/>
+              </a:rPr>
+              <a:t>Raycast</a:t>
+            </a:r>
+            <a:r>
+              <a:rPr lang="de-DE" dirty="0">
+                <a:sym typeface="Wingdings" panose="05000000000000000000" pitchFamily="2" charset="2"/>
+              </a:rPr>
+              <a:t> wird seriell verarbeitet</a:t>
+            </a:r>
+          </a:p>
+          <a:p>
+            <a:pPr lvl="1"/>
+            <a:r>
+              <a:rPr lang="de-DE" dirty="0">
+                <a:sym typeface="Wingdings" panose="05000000000000000000" pitchFamily="2" charset="2"/>
+              </a:rPr>
+              <a:t>Erwartung: Bei wenigen </a:t>
+            </a:r>
+            <a:r>
+              <a:rPr lang="de-DE" dirty="0" err="1">
+                <a:sym typeface="Wingdings" panose="05000000000000000000" pitchFamily="2" charset="2"/>
+              </a:rPr>
+              <a:t>Raycasts</a:t>
+            </a:r>
+            <a:r>
+              <a:rPr lang="de-DE" dirty="0">
+                <a:sym typeface="Wingdings" panose="05000000000000000000" pitchFamily="2" charset="2"/>
+              </a:rPr>
+              <a:t> deutlich langsamer als CPU Implementierung, bei vielen schneller</a:t>
+            </a:r>
           </a:p>
         </p:txBody>
       </p:sp>
@@ -29246,7 +29312,7 @@
           <a:p>
             <a:r>
               <a:rPr lang="de-DE" sz="2400" dirty="0"/>
-              <a:t>Ob Abfragen sich lohnen ist stark abhängig vom Szenario</a:t>
+              <a:t>Ob Abfragen sich lohnen, ist stark abhängig vom Szenario</a:t>
             </a:r>
           </a:p>
           <a:p>
@@ -29777,7 +29843,7 @@
               <a:buAutoNum type="arabicPeriod"/>
             </a:pPr>
             <a:r>
-              <a:rPr lang="de-DE" sz="2400"/>
+              <a:rPr lang="de-DE" sz="2400" dirty="0"/>
               <a:t>Aufgabe</a:t>
             </a:r>
           </a:p>
@@ -29787,7 +29853,7 @@
               <a:buAutoNum type="arabicPeriod"/>
             </a:pPr>
             <a:r>
-              <a:rPr lang="de-DE" sz="2400"/>
+              <a:rPr lang="de-DE" sz="2400" dirty="0"/>
               <a:t>Aufbau eines Hash-Grids</a:t>
             </a:r>
           </a:p>
@@ -29797,7 +29863,7 @@
               <a:buAutoNum type="arabicPeriod"/>
             </a:pPr>
             <a:r>
-              <a:rPr lang="de-DE" sz="2400"/>
+              <a:rPr lang="de-DE" sz="2400" dirty="0"/>
               <a:t>Parallelisierung</a:t>
             </a:r>
           </a:p>
@@ -29807,7 +29873,7 @@
               <a:buAutoNum type="arabicPeriod"/>
             </a:pPr>
             <a:r>
-              <a:rPr lang="de-DE" sz="2400"/>
+              <a:rPr lang="de-DE" sz="2400" dirty="0"/>
               <a:t>Implementierung</a:t>
             </a:r>
           </a:p>
@@ -29817,7 +29883,7 @@
               <a:buAutoNum type="arabicPeriod"/>
             </a:pPr>
             <a:r>
-              <a:rPr lang="de-DE" sz="2400"/>
+              <a:rPr lang="de-DE" sz="2400" dirty="0"/>
               <a:t>Probleme bei der Implementierung</a:t>
             </a:r>
           </a:p>
@@ -29827,8 +29893,8 @@
               <a:buAutoNum type="arabicPeriod"/>
             </a:pPr>
             <a:r>
-              <a:rPr lang="de-DE" sz="2400"/>
-              <a:t>Messungen</a:t>
+              <a:rPr lang="de-DE" sz="2400" dirty="0"/>
+              <a:t>Validierung</a:t>
             </a:r>
           </a:p>
           <a:p>
@@ -29837,8 +29903,8 @@
               <a:buAutoNum type="arabicPeriod"/>
             </a:pPr>
             <a:r>
-              <a:rPr lang="de-DE" sz="2400"/>
-              <a:t>Abfrage Umkreis</a:t>
+              <a:rPr lang="de-DE" sz="2400" dirty="0"/>
+              <a:t>Messungen</a:t>
             </a:r>
           </a:p>
           <a:p>
@@ -29847,8 +29913,8 @@
               <a:buAutoNum type="arabicPeriod"/>
             </a:pPr>
             <a:r>
-              <a:rPr lang="de-DE" sz="2400"/>
-              <a:t>Messungen Umkreis</a:t>
+              <a:rPr lang="de-DE" sz="2400" dirty="0"/>
+              <a:t>Abfrage Umkreis</a:t>
             </a:r>
           </a:p>
           <a:p>
@@ -29857,8 +29923,33 @@
               <a:buAutoNum type="arabicPeriod"/>
             </a:pPr>
             <a:r>
-              <a:rPr lang="de-DE" sz="2400"/>
-              <a:t>Abfrage Raycast</a:t>
+              <a:rPr lang="de-DE" sz="2400" dirty="0"/>
+              <a:t>Messungen Umkreis</a:t>
+            </a:r>
+          </a:p>
+          <a:p>
+            <a:pPr marL="457200" indent="-457200">
+              <a:buFont typeface="+mj-lt"/>
+              <a:buAutoNum type="arabicPeriod"/>
+            </a:pPr>
+            <a:r>
+              <a:rPr lang="de-DE" sz="2400" dirty="0"/>
+              <a:t>Abfrage </a:t>
+            </a:r>
+            <a:r>
+              <a:rPr lang="de-DE" sz="2400" dirty="0" err="1"/>
+              <a:t>Raycast</a:t>
+            </a:r>
+            <a:endParaRPr lang="de-DE" sz="2400" dirty="0"/>
+          </a:p>
+          <a:p>
+            <a:pPr marL="457200" indent="-457200">
+              <a:buFont typeface="+mj-lt"/>
+              <a:buAutoNum type="arabicPeriod"/>
+            </a:pPr>
+            <a:r>
+              <a:rPr lang="de-DE" sz="2400" dirty="0"/>
+              <a:t>Fazit</a:t>
             </a:r>
           </a:p>
           <a:p>
@@ -30036,7 +30127,7 @@
           <a:p>
             <a:r>
               <a:rPr lang="de-DE" dirty="0"/>
-              <a:t>Hash-Grid für (Ungeordnete) Liste von Partikeln erstellen</a:t>
+              <a:t>Hash-Grid für (ungeordnete) Liste von Partikeln erstellen</a:t>
             </a:r>
           </a:p>
           <a:p>
@@ -42425,7 +42516,7 @@
             </a:br>
             <a:r>
               <a:rPr lang="de-DE" dirty="0"/>
-              <a:t>überschneidenden</a:t>
+              <a:t>überschneidenden?</a:t>
             </a:r>
           </a:p>
           <a:p>
